--- a/Презентация.pptx
+++ b/Презентация.pptx
@@ -8,10 +8,12 @@
     <p:sldId id="256" r:id="rId2"/>
     <p:sldId id="257" r:id="rId3"/>
     <p:sldId id="262" r:id="rId4"/>
-    <p:sldId id="258" r:id="rId5"/>
-    <p:sldId id="263" r:id="rId6"/>
-    <p:sldId id="264" r:id="rId7"/>
-    <p:sldId id="265" r:id="rId8"/>
+    <p:sldId id="266" r:id="rId5"/>
+    <p:sldId id="267" r:id="rId6"/>
+    <p:sldId id="263" r:id="rId7"/>
+    <p:sldId id="264" r:id="rId8"/>
+    <p:sldId id="268" r:id="rId9"/>
+    <p:sldId id="265" r:id="rId10"/>
   </p:sldIdLst>
   <p:sldSz cx="9144000" cy="6858000" type="screen4x3"/>
   <p:notesSz cx="6858000" cy="9144000"/>
@@ -3880,7 +3882,7 @@
         <p:spPr>
           <a:xfrm>
             <a:off x="785786" y="1714488"/>
-            <a:ext cx="7772400" cy="2243152"/>
+            <a:ext cx="7772400" cy="2857520"/>
           </a:xfrm>
         </p:spPr>
         <p:txBody>
@@ -3900,7 +3902,9 @@
             <a:r>
               <a:rPr lang="ru-RU" dirty="0">
                 <a:solidFill>
-                  <a:schemeClr val="tx2"/>
+                  <a:schemeClr val="tx2">
+                    <a:lumMod val="90000"/>
+                  </a:schemeClr>
                 </a:solidFill>
               </a:rPr>
               <a:t> </a:t>
@@ -3908,7 +3912,9 @@
             <a:r>
               <a:rPr lang="ru-RU" sz="2200" dirty="0">
                 <a:solidFill>
-                  <a:schemeClr val="tx2"/>
+                  <a:schemeClr val="tx2">
+                    <a:lumMod val="90000"/>
+                  </a:schemeClr>
                 </a:solidFill>
               </a:rPr>
               <a:t>Итоговый проект на тему</a:t>
@@ -3916,7 +3922,9 @@
             <a:r>
               <a:rPr lang="ru-RU" sz="2200" dirty="0" smtClean="0">
                 <a:solidFill>
-                  <a:schemeClr val="tx2"/>
+                  <a:schemeClr val="tx2">
+                    <a:lumMod val="90000"/>
+                  </a:schemeClr>
                 </a:solidFill>
               </a:rPr>
               <a:t>:</a:t>
@@ -3924,14 +3932,18 @@
             <a:br>
               <a:rPr lang="ru-RU" sz="2200" dirty="0" smtClean="0">
                 <a:solidFill>
-                  <a:schemeClr val="tx2"/>
+                  <a:schemeClr val="tx2">
+                    <a:lumMod val="90000"/>
+                  </a:schemeClr>
                 </a:solidFill>
               </a:rPr>
             </a:br>
             <a:r>
               <a:rPr lang="ru-RU" sz="3300" b="1" dirty="0" smtClean="0">
                 <a:solidFill>
-                  <a:schemeClr val="tx2"/>
+                  <a:schemeClr val="tx2">
+                    <a:lumMod val="90000"/>
+                  </a:schemeClr>
                 </a:solidFill>
               </a:rPr>
               <a:t>«Интернет магазин»</a:t>
@@ -3939,7 +3951,9 @@
             <a:r>
               <a:rPr lang="ru-RU" sz="2800" b="1" dirty="0" smtClean="0">
                 <a:solidFill>
-                  <a:schemeClr val="tx2"/>
+                  <a:schemeClr val="tx2">
+                    <a:lumMod val="90000"/>
+                  </a:schemeClr>
                 </a:solidFill>
               </a:rPr>
               <a:t/>
@@ -3947,14 +3961,18 @@
             <a:br>
               <a:rPr lang="ru-RU" sz="2800" b="1" dirty="0" smtClean="0">
                 <a:solidFill>
-                  <a:schemeClr val="tx2"/>
+                  <a:schemeClr val="tx2">
+                    <a:lumMod val="90000"/>
+                  </a:schemeClr>
                 </a:solidFill>
               </a:rPr>
             </a:br>
             <a:r>
               <a:rPr lang="ru-RU" sz="2200" dirty="0" smtClean="0">
                 <a:solidFill>
-                  <a:schemeClr val="tx2"/>
+                  <a:schemeClr val="tx2">
+                    <a:lumMod val="90000"/>
+                  </a:schemeClr>
                 </a:solidFill>
               </a:rPr>
               <a:t/>
@@ -3962,14 +3980,18 @@
             <a:br>
               <a:rPr lang="ru-RU" sz="2200" dirty="0" smtClean="0">
                 <a:solidFill>
-                  <a:schemeClr val="tx2"/>
+                  <a:schemeClr val="tx2">
+                    <a:lumMod val="90000"/>
+                  </a:schemeClr>
                 </a:solidFill>
               </a:rPr>
             </a:br>
             <a:r>
               <a:rPr lang="ru-RU" sz="2200" b="0" dirty="0" smtClean="0">
                 <a:solidFill>
-                  <a:schemeClr val="tx2"/>
+                  <a:schemeClr val="tx2">
+                    <a:lumMod val="90000"/>
+                  </a:schemeClr>
                 </a:solidFill>
               </a:rPr>
               <a:t>Программа </a:t>
@@ -3977,7 +3999,9 @@
             <a:r>
               <a:rPr lang="ru-RU" sz="2200" b="0" dirty="0">
                 <a:solidFill>
-                  <a:schemeClr val="tx2"/>
+                  <a:schemeClr val="tx2">
+                    <a:lumMod val="90000"/>
+                  </a:schemeClr>
                 </a:solidFill>
               </a:rPr>
               <a:t>профессиональной переподготовки: </a:t>
@@ -3985,7 +4009,9 @@
             <a:r>
               <a:rPr lang="ru-RU" sz="2200" b="0" dirty="0" smtClean="0">
                 <a:solidFill>
-                  <a:schemeClr val="tx2"/>
+                  <a:schemeClr val="tx2">
+                    <a:lumMod val="90000"/>
+                  </a:schemeClr>
                 </a:solidFill>
               </a:rPr>
               <a:t/>
@@ -3993,14 +4019,18 @@
             <a:br>
               <a:rPr lang="ru-RU" sz="2200" b="0" dirty="0" smtClean="0">
                 <a:solidFill>
-                  <a:schemeClr val="tx2"/>
+                  <a:schemeClr val="tx2">
+                    <a:lumMod val="90000"/>
+                  </a:schemeClr>
                 </a:solidFill>
               </a:rPr>
             </a:br>
             <a:r>
               <a:rPr lang="ru-RU" sz="2200" b="0" dirty="0" smtClean="0">
                 <a:solidFill>
-                  <a:schemeClr val="tx2"/>
+                  <a:schemeClr val="tx2">
+                    <a:lumMod val="90000"/>
+                  </a:schemeClr>
                 </a:solidFill>
               </a:rPr>
               <a:t>Fullstack-разработка </a:t>
@@ -4008,7 +4038,9 @@
             <a:r>
               <a:rPr lang="ru-RU" sz="2200" b="0" dirty="0">
                 <a:solidFill>
-                  <a:schemeClr val="tx2"/>
+                  <a:schemeClr val="tx2">
+                    <a:lumMod val="90000"/>
+                  </a:schemeClr>
                 </a:solidFill>
               </a:rPr>
               <a:t>на языке </a:t>
@@ -4016,7 +4048,9 @@
             <a:r>
               <a:rPr lang="ru-RU" sz="2200" b="0" dirty="0" err="1">
                 <a:solidFill>
-                  <a:schemeClr val="tx2"/>
+                  <a:schemeClr val="tx2">
+                    <a:lumMod val="90000"/>
+                  </a:schemeClr>
                 </a:solidFill>
               </a:rPr>
               <a:t>Java</a:t>
@@ -4024,7 +4058,9 @@
             <a:r>
               <a:rPr lang="ru-RU" sz="2200" dirty="0">
                 <a:solidFill>
-                  <a:schemeClr val="bg1"/>
+                  <a:schemeClr val="tx2">
+                    <a:lumMod val="90000"/>
+                  </a:schemeClr>
                 </a:solidFill>
               </a:rPr>
               <a:t/>
@@ -4032,13 +4068,17 @@
             <a:br>
               <a:rPr lang="ru-RU" sz="2200" dirty="0">
                 <a:solidFill>
-                  <a:schemeClr val="bg1"/>
+                  <a:schemeClr val="tx2">
+                    <a:lumMod val="90000"/>
+                  </a:schemeClr>
                 </a:solidFill>
               </a:rPr>
             </a:br>
             <a:endParaRPr lang="ru-RU" sz="2200" dirty="0">
               <a:solidFill>
-                <a:schemeClr val="bg1"/>
+                <a:schemeClr val="tx2">
+                  <a:lumMod val="90000"/>
+                </a:schemeClr>
               </a:solidFill>
             </a:endParaRPr>
           </a:p>
@@ -4111,7 +4151,7 @@
         </p:nvSpPr>
         <p:spPr>
           <a:xfrm>
-            <a:off x="785786" y="142853"/>
+            <a:off x="785786" y="428604"/>
             <a:ext cx="8072494" cy="646331"/>
           </a:xfrm>
           <a:prstGeom prst="rect">
@@ -4141,6 +4181,13 @@
   <p:clrMapOvr>
     <a:masterClrMapping/>
   </p:clrMapOvr>
+  <p:timing>
+    <p:tnLst>
+      <p:par>
+        <p:cTn id="1" dur="indefinite" restart="never" nodeType="tmRoot"/>
+      </p:par>
+    </p:tnLst>
+  </p:timing>
 </p:sld>
 </file>
 
@@ -4179,10 +4226,22 @@
           <a:lstStyle/>
           <a:p>
             <a:r>
-              <a:rPr lang="ru-RU" sz="2500" b="1" dirty="0" smtClean="0"/>
+              <a:rPr lang="ru-RU" sz="2500" b="1" dirty="0" smtClean="0">
+                <a:solidFill>
+                  <a:schemeClr val="tx2">
+                    <a:lumMod val="90000"/>
+                  </a:schemeClr>
+                </a:solidFill>
+              </a:rPr>
               <a:t>Предметная область</a:t>
             </a:r>
-            <a:endParaRPr lang="ru-RU" sz="2500" b="1" dirty="0"/>
+            <a:endParaRPr lang="ru-RU" sz="2500" b="1" dirty="0">
+              <a:solidFill>
+                <a:schemeClr val="tx2">
+                  <a:lumMod val="90000"/>
+                </a:schemeClr>
+              </a:solidFill>
+            </a:endParaRPr>
           </a:p>
         </p:txBody>
       </p:sp>
@@ -4227,6 +4286,13 @@
   <p:clrMapOvr>
     <a:masterClrMapping/>
   </p:clrMapOvr>
+  <p:timing>
+    <p:tnLst>
+      <p:par>
+        <p:cTn id="1" dur="indefinite" restart="never" nodeType="tmRoot"/>
+      </p:par>
+    </p:tnLst>
+  </p:timing>
 </p:sld>
 </file>
 
@@ -4265,10 +4331,22 @@
           <a:lstStyle/>
           <a:p>
             <a:r>
-              <a:rPr lang="ru-RU" sz="2500" b="1" dirty="0" smtClean="0"/>
+              <a:rPr lang="ru-RU" sz="2500" b="1" dirty="0" smtClean="0">
+                <a:solidFill>
+                  <a:schemeClr val="tx2">
+                    <a:lumMod val="90000"/>
+                  </a:schemeClr>
+                </a:solidFill>
+              </a:rPr>
               <a:t>Функционал интернет - магазина</a:t>
             </a:r>
-            <a:endParaRPr lang="ru-RU" sz="2500" b="1" dirty="0"/>
+            <a:endParaRPr lang="ru-RU" sz="2500" b="1" dirty="0">
+              <a:solidFill>
+                <a:schemeClr val="tx2">
+                  <a:lumMod val="90000"/>
+                </a:schemeClr>
+              </a:solidFill>
+            </a:endParaRPr>
           </a:p>
         </p:txBody>
       </p:sp>
@@ -4352,6 +4430,13 @@
   <p:clrMapOvr>
     <a:masterClrMapping/>
   </p:clrMapOvr>
+  <p:timing>
+    <p:tnLst>
+      <p:par>
+        <p:cTn id="1" dur="indefinite" restart="never" nodeType="tmRoot"/>
+      </p:par>
+    </p:tnLst>
+  </p:timing>
 </p:sld>
 </file>
 
@@ -4395,8 +4480,18 @@
           <a:lstStyle/>
           <a:p>
             <a:r>
+              <a:rPr lang="ru-RU" sz="2500" b="1" dirty="0" smtClean="0">
+                <a:solidFill>
+                  <a:schemeClr val="tx2">
+                    <a:lumMod val="90000"/>
+                  </a:schemeClr>
+                </a:solidFill>
+              </a:rPr>
+              <a:t>Логическая</a:t>
+            </a:r>
+            <a:r>
               <a:rPr lang="ru-RU" sz="2500" b="1" dirty="0" smtClean="0"/>
-              <a:t>Логическая </a:t>
+              <a:t> </a:t>
             </a:r>
             <a:r>
               <a:rPr lang="en-US" sz="2500" b="1" dirty="0" smtClean="0"/>
@@ -4447,6 +4542,13 @@
   <p:clrMapOvr>
     <a:masterClrMapping/>
   </p:clrMapOvr>
+  <p:timing>
+    <p:tnLst>
+      <p:par>
+        <p:cTn id="1" dur="indefinite" restart="never" nodeType="tmRoot"/>
+      </p:par>
+    </p:tnLst>
+  </p:timing>
 </p:sld>
 </file>
 
@@ -4485,10 +4587,25 @@
           <a:lstStyle/>
           <a:p>
             <a:r>
-              <a:rPr lang="ru-RU" sz="2500" b="1" dirty="0" smtClean="0"/>
-              <a:t>Инструментальные средства</a:t>
-            </a:r>
-            <a:endParaRPr lang="ru-RU" sz="2500" b="1" dirty="0"/>
+              <a:rPr lang="en-US" sz="2500" b="1" dirty="0" smtClean="0">
+                <a:solidFill>
+                  <a:schemeClr val="tx2">
+                    <a:lumMod val="90000"/>
+                  </a:schemeClr>
+                </a:solidFill>
+              </a:rPr>
+              <a:t>ER - </a:t>
+            </a:r>
+            <a:r>
+              <a:rPr lang="ru-RU" sz="2500" b="1" dirty="0" smtClean="0">
+                <a:solidFill>
+                  <a:schemeClr val="tx2">
+                    <a:lumMod val="90000"/>
+                  </a:schemeClr>
+                </a:solidFill>
+              </a:rPr>
+              <a:t>модель представлена следующими таблицами</a:t>
+            </a:r>
           </a:p>
         </p:txBody>
       </p:sp>
@@ -4509,155 +4626,123 @@
           </a:bodyPr>
           <a:lstStyle/>
           <a:p>
-            <a:pPr>
-              <a:buNone/>
-            </a:pPr>
-            <a:r>
-              <a:rPr lang="ru-RU" sz="2000" b="1" dirty="0" smtClean="0"/>
-              <a:t>        При разработке данного проекта был использованы:</a:t>
-            </a:r>
-          </a:p>
-          <a:p>
-            <a:pPr>
-              <a:buNone/>
-            </a:pPr>
             <a:endParaRPr lang="ru-RU" sz="2000" dirty="0" smtClean="0"/>
           </a:p>
           <a:p>
-            <a:pPr>
-              <a:buNone/>
-            </a:pPr>
-            <a:r>
-              <a:rPr lang="ru-RU" sz="2000" b="1" dirty="0" err="1" smtClean="0"/>
-              <a:t>Backend</a:t>
-            </a:r>
             <a:r>
               <a:rPr lang="en-US" sz="2000" dirty="0" smtClean="0"/>
-              <a:t> </a:t>
+              <a:t>Product  -   </a:t>
             </a:r>
             <a:r>
               <a:rPr lang="ru-RU" sz="2000" dirty="0" smtClean="0"/>
-              <a:t>- J</a:t>
-            </a:r>
+              <a:t>хранит информацию о товаре</a:t>
+            </a:r>
+          </a:p>
+          <a:p>
+            <a:r>
+              <a:rPr lang="en-US" sz="2000" dirty="0" smtClean="0"/>
+              <a:t>Person – </a:t>
+            </a:r>
+            <a:r>
+              <a:rPr lang="ru-RU" sz="2000" dirty="0" smtClean="0"/>
+              <a:t>хранит информацию о пользователе и его роли</a:t>
+            </a:r>
+          </a:p>
+          <a:p>
+            <a:r>
+              <a:rPr lang="en-US" sz="2000" dirty="0" smtClean="0"/>
+              <a:t>Category – </a:t>
+            </a:r>
+            <a:r>
+              <a:rPr lang="ru-RU" sz="2000" dirty="0" smtClean="0"/>
+              <a:t>хранит данные о категориях товара</a:t>
+            </a:r>
+            <a:endParaRPr lang="en-US" sz="2000" dirty="0" smtClean="0"/>
+          </a:p>
+          <a:p>
+            <a:r>
+              <a:rPr lang="en-US" sz="2000" dirty="0" smtClean="0"/>
+              <a:t>Warehouse – </a:t>
+            </a:r>
+            <a:r>
+              <a:rPr lang="ru-RU" sz="2000" dirty="0" smtClean="0"/>
+              <a:t>хранит данные о складах</a:t>
+            </a:r>
+          </a:p>
+          <a:p>
             <a:r>
               <a:rPr lang="en-US" sz="2000" dirty="0" err="1" smtClean="0"/>
-              <a:t>ava</a:t>
+              <a:t>Order_person</a:t>
             </a:r>
             <a:r>
               <a:rPr lang="en-US" sz="2000" dirty="0" smtClean="0"/>
-              <a:t> c </a:t>
+              <a:t> – </a:t>
             </a:r>
             <a:r>
               <a:rPr lang="ru-RU" sz="2000" dirty="0" smtClean="0"/>
-              <a:t>использованием </a:t>
+              <a:t>содержит </a:t>
+            </a:r>
+            <a:r>
+              <a:rPr lang="ru-RU" sz="2000" dirty="0" smtClean="0"/>
+              <a:t>данные </a:t>
+            </a:r>
+            <a:r>
+              <a:rPr lang="ru-RU" sz="2000" dirty="0" smtClean="0"/>
+              <a:t>о заказе и его статусе</a:t>
+            </a:r>
+            <a:endParaRPr lang="en-US" sz="2000" dirty="0" smtClean="0"/>
+          </a:p>
+          <a:p>
+            <a:r>
+              <a:rPr lang="en-US" sz="2000" dirty="0" err="1" smtClean="0"/>
+              <a:t>Order_product</a:t>
             </a:r>
             <a:r>
               <a:rPr lang="en-US" sz="2000" dirty="0" smtClean="0"/>
-              <a:t>framework </a:t>
-            </a:r>
-            <a:r>
-              <a:rPr lang="ru-RU" sz="2000" dirty="0" err="1" smtClean="0"/>
-              <a:t>Spring</a:t>
+              <a:t> – </a:t>
+            </a:r>
+            <a:r>
+              <a:rPr lang="ru-RU" sz="2000" dirty="0" smtClean="0"/>
+              <a:t>хранит данные о стоимости товара</a:t>
+            </a:r>
+            <a:endParaRPr lang="en-US" sz="2000" dirty="0" smtClean="0"/>
+          </a:p>
+          <a:p>
+            <a:r>
+              <a:rPr lang="en-US" sz="2000" dirty="0" err="1" smtClean="0"/>
+              <a:t>Product_cart</a:t>
             </a:r>
             <a:r>
               <a:rPr lang="en-US" sz="2000" dirty="0" smtClean="0"/>
-              <a:t> </a:t>
-            </a:r>
+              <a:t> – </a:t>
+            </a:r>
+            <a:r>
+              <a:rPr lang="ru-RU" sz="2000" dirty="0" smtClean="0"/>
+              <a:t>хранит информацию о корзине</a:t>
+            </a:r>
+            <a:endParaRPr lang="en-US" sz="2000" dirty="0" smtClean="0"/>
+          </a:p>
+          <a:p>
+            <a:r>
+              <a:rPr lang="en-US" sz="2000" dirty="0" smtClean="0"/>
+              <a:t>Image – </a:t>
+            </a:r>
+            <a:r>
+              <a:rPr lang="ru-RU" sz="2000" dirty="0" smtClean="0"/>
+              <a:t>хранит данные о фотографии товара</a:t>
+            </a:r>
+            <a:endParaRPr lang="en-US" sz="2000" dirty="0" smtClean="0"/>
+          </a:p>
+          <a:p>
+            <a:endParaRPr lang="en-US" sz="2000" dirty="0" smtClean="0"/>
+          </a:p>
+          <a:p>
+            <a:endParaRPr lang="en-US" sz="2000" dirty="0" smtClean="0"/>
+          </a:p>
+          <a:p>
             <a:endParaRPr lang="ru-RU" sz="2000" dirty="0" smtClean="0"/>
           </a:p>
           <a:p>
-            <a:r>
-              <a:rPr lang="en-US" sz="2000" dirty="0" smtClean="0"/>
-              <a:t>o Spring-boot-starter-data-</a:t>
-            </a:r>
-            <a:r>
-              <a:rPr lang="en-US" sz="2000" dirty="0" err="1" smtClean="0"/>
-              <a:t>jpa</a:t>
-            </a:r>
-            <a:r>
-              <a:rPr lang="en-US" sz="2000" dirty="0" smtClean="0"/>
-              <a:t> </a:t>
-            </a:r>
-            <a:endParaRPr lang="ru-RU" sz="2000" dirty="0" smtClean="0"/>
-          </a:p>
-          <a:p>
-            <a:r>
-              <a:rPr lang="en-US" sz="2000" dirty="0" smtClean="0"/>
-              <a:t>o Spring-boot-starter-security </a:t>
-            </a:r>
-            <a:endParaRPr lang="ru-RU" sz="2000" dirty="0" smtClean="0"/>
-          </a:p>
-          <a:p>
-            <a:r>
-              <a:rPr lang="en-US" sz="2000" dirty="0" smtClean="0"/>
-              <a:t>o Spring-boot-starter-</a:t>
-            </a:r>
-            <a:r>
-              <a:rPr lang="en-US" sz="2000" dirty="0" err="1" smtClean="0"/>
-              <a:t>thymleaf</a:t>
-            </a:r>
-            <a:r>
-              <a:rPr lang="en-US" sz="2000" dirty="0" smtClean="0"/>
-              <a:t> </a:t>
-            </a:r>
-            <a:endParaRPr lang="ru-RU" sz="2000" dirty="0" smtClean="0"/>
-          </a:p>
-          <a:p>
-            <a:r>
-              <a:rPr lang="en-US" sz="2000" dirty="0" smtClean="0"/>
-              <a:t>o Spring-boot-starter-validation </a:t>
-            </a:r>
-            <a:endParaRPr lang="ru-RU" sz="2000" dirty="0" smtClean="0"/>
-          </a:p>
-          <a:p>
-            <a:r>
-              <a:rPr lang="en-US" sz="2000" dirty="0" smtClean="0"/>
-              <a:t>o Spring-boot-starter-web </a:t>
-            </a:r>
-            <a:endParaRPr lang="ru-RU" sz="2000" dirty="0" smtClean="0"/>
-          </a:p>
-          <a:p>
-            <a:r>
-              <a:rPr lang="ru-RU" sz="2000" dirty="0" smtClean="0"/>
-              <a:t>База данных</a:t>
-            </a:r>
-            <a:r>
-              <a:rPr lang="en-US" sz="2000" dirty="0" smtClean="0"/>
-              <a:t> </a:t>
-            </a:r>
-            <a:r>
-              <a:rPr lang="en-US" sz="2000" dirty="0" err="1" smtClean="0"/>
-              <a:t>PostgreSQL</a:t>
-            </a:r>
-            <a:r>
-              <a:rPr lang="en-US" sz="2000" dirty="0" smtClean="0"/>
-              <a:t> </a:t>
-            </a:r>
-            <a:endParaRPr lang="ru-RU" sz="2000" dirty="0" smtClean="0"/>
-          </a:p>
-          <a:p>
-            <a:endParaRPr lang="ru-RU" sz="2000" dirty="0" smtClean="0"/>
-          </a:p>
-          <a:p>
-            <a:pPr>
-              <a:buNone/>
-            </a:pPr>
-            <a:r>
-              <a:rPr lang="en-US" sz="2000" b="1" dirty="0" smtClean="0"/>
-              <a:t>Frontend </a:t>
-            </a:r>
-            <a:r>
-              <a:rPr lang="en-US" sz="2000" dirty="0" smtClean="0"/>
-              <a:t>- HTML, CSS, Java Script</a:t>
-            </a:r>
-            <a:r>
-              <a:rPr lang="ru-RU" sz="2000" dirty="0" smtClean="0"/>
-              <a:t>, </a:t>
-            </a:r>
-            <a:r>
-              <a:rPr lang="en-US" sz="2000" dirty="0" smtClean="0"/>
-              <a:t>Bootstrap</a:t>
-            </a:r>
             <a:endParaRPr lang="ru-RU" sz="2000" dirty="0" smtClean="0"/>
           </a:p>
           <a:p>
@@ -4676,10 +4761,335 @@
   <p:clrMapOvr>
     <a:masterClrMapping/>
   </p:clrMapOvr>
+  <p:timing>
+    <p:tnLst>
+      <p:par>
+        <p:cTn id="1" dur="indefinite" restart="never" nodeType="tmRoot"/>
+      </p:par>
+    </p:tnLst>
+  </p:timing>
 </p:sld>
 </file>
 
 <file path=ppt/slides/slide6.xml><?xml version="1.0" encoding="utf-8"?>
+<p:sld xmlns:a="http://schemas.openxmlformats.org/drawingml/2006/main" xmlns:r="http://schemas.openxmlformats.org/officeDocument/2006/relationships" xmlns:p="http://schemas.openxmlformats.org/presentationml/2006/main">
+  <p:cSld>
+    <p:spTree>
+      <p:nvGrpSpPr>
+        <p:cNvPr id="1" name=""/>
+        <p:cNvGrpSpPr/>
+        <p:nvPr/>
+      </p:nvGrpSpPr>
+      <p:grpSpPr>
+        <a:xfrm>
+          <a:off x="0" y="0"/>
+          <a:ext cx="0" cy="0"/>
+          <a:chOff x="0" y="0"/>
+          <a:chExt cx="0" cy="0"/>
+        </a:xfrm>
+      </p:grpSpPr>
+      <p:sp>
+        <p:nvSpPr>
+          <p:cNvPr id="2" name="Заголовок 1"/>
+          <p:cNvSpPr>
+            <a:spLocks noGrp="1"/>
+          </p:cNvSpPr>
+          <p:nvPr>
+            <p:ph type="title"/>
+          </p:nvPr>
+        </p:nvSpPr>
+        <p:spPr/>
+        <p:txBody>
+          <a:bodyPr>
+            <a:normAutofit/>
+          </a:bodyPr>
+          <a:lstStyle/>
+          <a:p>
+            <a:r>
+              <a:rPr lang="ru-RU" sz="2500" b="1" dirty="0" smtClean="0">
+                <a:solidFill>
+                  <a:schemeClr val="tx2">
+                    <a:lumMod val="90000"/>
+                  </a:schemeClr>
+                </a:solidFill>
+              </a:rPr>
+              <a:t>Инструментальные </a:t>
+            </a:r>
+            <a:r>
+              <a:rPr lang="ru-RU" sz="2500" b="1" dirty="0" smtClean="0">
+                <a:solidFill>
+                  <a:schemeClr val="tx2">
+                    <a:lumMod val="90000"/>
+                  </a:schemeClr>
+                </a:solidFill>
+              </a:rPr>
+              <a:t>средства</a:t>
+            </a:r>
+            <a:br>
+              <a:rPr lang="ru-RU" sz="2500" b="1" dirty="0" smtClean="0">
+                <a:solidFill>
+                  <a:schemeClr val="tx2">
+                    <a:lumMod val="90000"/>
+                  </a:schemeClr>
+                </a:solidFill>
+              </a:rPr>
+            </a:br>
+            <a:endParaRPr lang="ru-RU" sz="2500" b="1" dirty="0">
+              <a:solidFill>
+                <a:schemeClr val="tx2">
+                  <a:lumMod val="90000"/>
+                </a:schemeClr>
+              </a:solidFill>
+            </a:endParaRPr>
+          </a:p>
+        </p:txBody>
+      </p:sp>
+      <p:sp>
+        <p:nvSpPr>
+          <p:cNvPr id="3" name="Содержимое 2"/>
+          <p:cNvSpPr>
+            <a:spLocks noGrp="1"/>
+          </p:cNvSpPr>
+          <p:nvPr>
+            <p:ph idx="1"/>
+          </p:nvPr>
+        </p:nvSpPr>
+        <p:spPr/>
+        <p:txBody>
+          <a:bodyPr>
+            <a:normAutofit/>
+          </a:bodyPr>
+          <a:lstStyle/>
+          <a:p>
+            <a:pPr>
+              <a:buNone/>
+            </a:pPr>
+            <a:r>
+              <a:rPr lang="ru-RU" sz="2000" b="1" dirty="0" smtClean="0"/>
+              <a:t>При разработке данного проекта были использованы</a:t>
+            </a:r>
+            <a:r>
+              <a:rPr lang="ru-RU" sz="2000" b="1" dirty="0" smtClean="0"/>
+              <a:t>:</a:t>
+            </a:r>
+          </a:p>
+          <a:p>
+            <a:pPr>
+              <a:buNone/>
+            </a:pPr>
+            <a:endParaRPr lang="ru-RU" sz="2000" b="1" dirty="0" smtClean="0"/>
+          </a:p>
+          <a:p>
+            <a:pPr>
+              <a:buNone/>
+            </a:pPr>
+            <a:r>
+              <a:rPr lang="ru-RU" sz="2000" b="1" dirty="0" err="1" smtClean="0">
+                <a:solidFill>
+                  <a:schemeClr val="tx2">
+                    <a:lumMod val="90000"/>
+                  </a:schemeClr>
+                </a:solidFill>
+              </a:rPr>
+              <a:t>Backend</a:t>
+            </a:r>
+            <a:r>
+              <a:rPr lang="en-US" sz="2000" dirty="0" smtClean="0"/>
+              <a:t> </a:t>
+            </a:r>
+            <a:r>
+              <a:rPr lang="ru-RU" sz="2000" dirty="0" smtClean="0"/>
+              <a:t>- J</a:t>
+            </a:r>
+            <a:r>
+              <a:rPr lang="en-US" sz="2000" dirty="0" err="1" smtClean="0"/>
+              <a:t>ava</a:t>
+            </a:r>
+            <a:r>
+              <a:rPr lang="en-US" sz="2000" dirty="0" smtClean="0"/>
+              <a:t> c </a:t>
+            </a:r>
+            <a:r>
+              <a:rPr lang="ru-RU" sz="2000" dirty="0" smtClean="0"/>
+              <a:t>использованием </a:t>
+            </a:r>
+            <a:r>
+              <a:rPr lang="en-US" sz="2000" dirty="0" smtClean="0"/>
+              <a:t>framework </a:t>
+            </a:r>
+            <a:r>
+              <a:rPr lang="ru-RU" sz="2000" dirty="0" err="1" smtClean="0"/>
+              <a:t>Spring</a:t>
+            </a:r>
+            <a:r>
+              <a:rPr lang="en-US" sz="2000" dirty="0" smtClean="0"/>
+              <a:t> </a:t>
+            </a:r>
+            <a:r>
+              <a:rPr lang="ru-RU" sz="2000" dirty="0" err="1" smtClean="0"/>
+              <a:t>репозитории</a:t>
+            </a:r>
+            <a:r>
+              <a:rPr lang="ru-RU" sz="2000" dirty="0" smtClean="0"/>
+              <a:t>:</a:t>
+            </a:r>
+          </a:p>
+          <a:p>
+            <a:r>
+              <a:rPr lang="en-US" sz="2000" dirty="0" smtClean="0"/>
+              <a:t> </a:t>
+            </a:r>
+            <a:r>
+              <a:rPr lang="en-US" sz="2000" dirty="0" smtClean="0"/>
+              <a:t>Spring-boot-starter-data-</a:t>
+            </a:r>
+            <a:r>
+              <a:rPr lang="en-US" sz="2000" dirty="0" err="1" smtClean="0"/>
+              <a:t>jpa</a:t>
+            </a:r>
+            <a:r>
+              <a:rPr lang="en-US" sz="2000" dirty="0" smtClean="0"/>
+              <a:t> </a:t>
+            </a:r>
+            <a:endParaRPr lang="ru-RU" sz="2000" dirty="0" smtClean="0"/>
+          </a:p>
+          <a:p>
+            <a:r>
+              <a:rPr lang="en-US" sz="2000" dirty="0" smtClean="0"/>
+              <a:t> </a:t>
+            </a:r>
+            <a:r>
+              <a:rPr lang="en-US" sz="2000" dirty="0" smtClean="0"/>
+              <a:t>Spring-boot-starter-security </a:t>
+            </a:r>
+            <a:endParaRPr lang="ru-RU" sz="2000" dirty="0" smtClean="0"/>
+          </a:p>
+          <a:p>
+            <a:r>
+              <a:rPr lang="en-US" sz="2000" dirty="0" smtClean="0"/>
+              <a:t> Spring-boot-starter-</a:t>
+            </a:r>
+            <a:r>
+              <a:rPr lang="en-US" sz="2000" dirty="0" err="1" smtClean="0"/>
+              <a:t>thym</a:t>
+            </a:r>
+            <a:r>
+              <a:rPr lang="en-US" sz="2000" dirty="0" err="1" smtClean="0"/>
+              <a:t>e</a:t>
+            </a:r>
+            <a:r>
+              <a:rPr lang="en-US" sz="2000" dirty="0" err="1" smtClean="0"/>
+              <a:t>leaf</a:t>
+            </a:r>
+            <a:r>
+              <a:rPr lang="en-US" sz="2000" dirty="0" smtClean="0"/>
+              <a:t> </a:t>
+            </a:r>
+            <a:endParaRPr lang="ru-RU" sz="2000" dirty="0" smtClean="0"/>
+          </a:p>
+          <a:p>
+            <a:r>
+              <a:rPr lang="en-US" sz="2000" dirty="0" smtClean="0"/>
+              <a:t> </a:t>
+            </a:r>
+            <a:r>
+              <a:rPr lang="en-US" sz="2000" dirty="0" smtClean="0"/>
+              <a:t>Spring-boot-starter-validation </a:t>
+            </a:r>
+            <a:endParaRPr lang="ru-RU" sz="2000" dirty="0" smtClean="0"/>
+          </a:p>
+          <a:p>
+            <a:r>
+              <a:rPr lang="en-US" sz="2000" dirty="0" smtClean="0"/>
+              <a:t> </a:t>
+            </a:r>
+            <a:r>
+              <a:rPr lang="en-US" sz="2000" dirty="0" smtClean="0"/>
+              <a:t>Spring-boot-starter-web </a:t>
+            </a:r>
+            <a:endParaRPr lang="ru-RU" sz="2000" dirty="0" smtClean="0"/>
+          </a:p>
+          <a:p>
+            <a:r>
+              <a:rPr lang="ru-RU" sz="2000" dirty="0" smtClean="0"/>
+              <a:t>База данных</a:t>
+            </a:r>
+            <a:r>
+              <a:rPr lang="en-US" sz="2000" dirty="0" smtClean="0"/>
+              <a:t> </a:t>
+            </a:r>
+            <a:r>
+              <a:rPr lang="en-US" sz="2000" dirty="0" err="1" smtClean="0"/>
+              <a:t>PostgreSQL</a:t>
+            </a:r>
+            <a:r>
+              <a:rPr lang="en-US" sz="2000" dirty="0" smtClean="0"/>
+              <a:t> </a:t>
+            </a:r>
+            <a:endParaRPr lang="ru-RU" sz="2000" dirty="0" smtClean="0"/>
+          </a:p>
+          <a:p>
+            <a:endParaRPr lang="ru-RU" sz="2000" dirty="0" smtClean="0"/>
+          </a:p>
+          <a:p>
+            <a:pPr>
+              <a:buNone/>
+            </a:pPr>
+            <a:r>
+              <a:rPr lang="en-US" sz="2000" b="1" dirty="0" smtClean="0">
+                <a:solidFill>
+                  <a:schemeClr val="tx2">
+                    <a:lumMod val="90000"/>
+                  </a:schemeClr>
+                </a:solidFill>
+              </a:rPr>
+              <a:t>Frontend</a:t>
+            </a:r>
+            <a:r>
+              <a:rPr lang="en-US" sz="2000" b="1" dirty="0" smtClean="0"/>
+              <a:t> </a:t>
+            </a:r>
+            <a:r>
+              <a:rPr lang="en-US" sz="2000" dirty="0" smtClean="0"/>
+              <a:t>- HTML, CSS, Java Script</a:t>
+            </a:r>
+            <a:r>
+              <a:rPr lang="ru-RU" sz="2000" dirty="0" smtClean="0"/>
+              <a:t>, </a:t>
+            </a:r>
+            <a:r>
+              <a:rPr lang="en-US" sz="2000" dirty="0" smtClean="0"/>
+              <a:t>Bootstrap</a:t>
+            </a:r>
+            <a:endParaRPr lang="ru-RU" sz="2000" dirty="0" smtClean="0"/>
+          </a:p>
+          <a:p>
+            <a:endParaRPr lang="ru-RU" sz="2000" dirty="0" smtClean="0"/>
+          </a:p>
+          <a:p>
+            <a:endParaRPr lang="ru-RU" sz="2000" dirty="0" smtClean="0"/>
+          </a:p>
+          <a:p>
+            <a:endParaRPr lang="ru-RU" sz="2000" dirty="0" smtClean="0"/>
+          </a:p>
+        </p:txBody>
+      </p:sp>
+    </p:spTree>
+  </p:cSld>
+  <p:clrMapOvr>
+    <a:masterClrMapping/>
+  </p:clrMapOvr>
+  <p:timing>
+    <p:tnLst>
+      <p:par>
+        <p:cTn id="1" dur="indefinite" restart="never" nodeType="tmRoot"/>
+      </p:par>
+    </p:tnLst>
+  </p:timing>
+</p:sld>
+</file>
+
+<file path=ppt/slides/slide7.xml><?xml version="1.0" encoding="utf-8"?>
 <p:sld xmlns:a="http://schemas.openxmlformats.org/drawingml/2006/main" xmlns:r="http://schemas.openxmlformats.org/officeDocument/2006/relationships" xmlns:p="http://schemas.openxmlformats.org/presentationml/2006/main">
   <p:cSld>
     <p:spTree>
@@ -4775,7 +5185,7 @@
         </p:nvSpPr>
         <p:spPr>
           <a:xfrm>
-            <a:off x="214282" y="-428652"/>
+            <a:off x="428596" y="-285776"/>
             <a:ext cx="3800444" cy="1143000"/>
           </a:xfrm>
         </p:spPr>
@@ -4787,9 +5197,25 @@
           <a:p>
             <a:r>
               <a:rPr lang="ru-RU" sz="2500" b="1" dirty="0" smtClean="0"/>
-              <a:t>                                                                                  Результат</a:t>
-            </a:r>
-            <a:endParaRPr lang="ru-RU" sz="2500" b="1" dirty="0"/>
+              <a:t>                                                                                  </a:t>
+            </a:r>
+            <a:r>
+              <a:rPr lang="ru-RU" sz="2500" b="1" dirty="0" smtClean="0">
+                <a:solidFill>
+                  <a:schemeClr val="tx2">
+                    <a:lumMod val="90000"/>
+                  </a:schemeClr>
+                </a:solidFill>
+              </a:rPr>
+              <a:t>Результат</a:t>
+            </a:r>
+            <a:endParaRPr lang="ru-RU" sz="2500" b="1" dirty="0">
+              <a:solidFill>
+                <a:schemeClr val="tx2">
+                  <a:lumMod val="90000"/>
+                </a:schemeClr>
+              </a:solidFill>
+            </a:endParaRPr>
           </a:p>
         </p:txBody>
       </p:sp>
@@ -4856,10 +5282,17 @@
   <p:clrMapOvr>
     <a:masterClrMapping/>
   </p:clrMapOvr>
+  <p:timing>
+    <p:tnLst>
+      <p:par>
+        <p:cTn id="1" dur="indefinite" restart="never" nodeType="tmRoot"/>
+      </p:par>
+    </p:tnLst>
+  </p:timing>
 </p:sld>
 </file>
 
-<file path=ppt/slides/slide7.xml><?xml version="1.0" encoding="utf-8"?>
+<file path=ppt/slides/slide8.xml><?xml version="1.0" encoding="utf-8"?>
 <p:sld xmlns:a="http://schemas.openxmlformats.org/drawingml/2006/main" xmlns:r="http://schemas.openxmlformats.org/officeDocument/2006/relationships" xmlns:p="http://schemas.openxmlformats.org/presentationml/2006/main">
   <p:cSld>
     <p:spTree>
@@ -4878,7 +5311,7 @@
       </p:grpSpPr>
       <p:sp>
         <p:nvSpPr>
-          <p:cNvPr id="2" name="Заголовок 1"/>
+          <p:cNvPr id="4" name="Заголовок 1"/>
           <p:cNvSpPr>
             <a:spLocks noGrp="1"/>
           </p:cNvSpPr>
@@ -4886,7 +5319,12 @@
             <p:ph type="title"/>
           </p:nvPr>
         </p:nvSpPr>
-        <p:spPr/>
+        <p:spPr>
+          <a:xfrm>
+            <a:off x="428596" y="-357214"/>
+            <a:ext cx="3800444" cy="1143000"/>
+          </a:xfrm>
+        </p:spPr>
         <p:txBody>
           <a:bodyPr>
             <a:normAutofit/>
@@ -4894,10 +5332,236 @@
           <a:lstStyle/>
           <a:p>
             <a:r>
-              <a:rPr lang="ru-RU" sz="2500" dirty="0" smtClean="0"/>
+              <a:rPr lang="ru-RU" sz="2500" b="1" dirty="0" smtClean="0"/>
+              <a:t>                                                                                  </a:t>
+            </a:r>
+            <a:r>
+              <a:rPr lang="ru-RU" sz="2500" b="1" dirty="0" smtClean="0">
+                <a:solidFill>
+                  <a:schemeClr val="tx2">
+                    <a:lumMod val="90000"/>
+                  </a:schemeClr>
+                </a:solidFill>
+              </a:rPr>
+              <a:t>Результат</a:t>
+            </a:r>
+            <a:endParaRPr lang="ru-RU" sz="2500" b="1" dirty="0">
+              <a:solidFill>
+                <a:schemeClr val="tx2">
+                  <a:lumMod val="90000"/>
+                </a:schemeClr>
+              </a:solidFill>
+            </a:endParaRPr>
+          </a:p>
+        </p:txBody>
+      </p:sp>
+      <p:pic>
+        <p:nvPicPr>
+          <p:cNvPr id="1027" name="Picture 3"/>
+          <p:cNvPicPr>
+            <a:picLocks noChangeAspect="1" noChangeArrowheads="1"/>
+          </p:cNvPicPr>
+          <p:nvPr/>
+        </p:nvPicPr>
+        <p:blipFill>
+          <a:blip r:embed="rId2" cstate="print"/>
+          <a:srcRect/>
+          <a:stretch>
+            <a:fillRect/>
+          </a:stretch>
+        </p:blipFill>
+        <p:spPr bwMode="auto">
+          <a:xfrm>
+            <a:off x="-1" y="3357562"/>
+            <a:ext cx="5776123" cy="3500438"/>
+          </a:xfrm>
+          <a:prstGeom prst="rect">
+            <a:avLst/>
+          </a:prstGeom>
+          <a:noFill/>
+          <a:ln w="9525">
+            <a:noFill/>
+            <a:miter lim="800000"/>
+            <a:headEnd/>
+            <a:tailEnd/>
+          </a:ln>
+          <a:effectLst/>
+        </p:spPr>
+      </p:pic>
+      <p:pic>
+        <p:nvPicPr>
+          <p:cNvPr id="1026" name="Picture 2"/>
+          <p:cNvPicPr>
+            <a:picLocks noChangeAspect="1" noChangeArrowheads="1"/>
+          </p:cNvPicPr>
+          <p:nvPr/>
+        </p:nvPicPr>
+        <p:blipFill>
+          <a:blip r:embed="rId3" cstate="print"/>
+          <a:srcRect/>
+          <a:stretch>
+            <a:fillRect/>
+          </a:stretch>
+        </p:blipFill>
+        <p:spPr bwMode="auto">
+          <a:xfrm>
+            <a:off x="3643306" y="46382"/>
+            <a:ext cx="5500694" cy="3272403"/>
+          </a:xfrm>
+          <a:prstGeom prst="rect">
+            <a:avLst/>
+          </a:prstGeom>
+          <a:noFill/>
+          <a:ln w="9525">
+            <a:noFill/>
+            <a:miter lim="800000"/>
+            <a:headEnd/>
+            <a:tailEnd/>
+          </a:ln>
+          <a:effectLst/>
+        </p:spPr>
+      </p:pic>
+      <p:sp>
+        <p:nvSpPr>
+          <p:cNvPr id="8" name="Прямоугольник 7"/>
+          <p:cNvSpPr/>
+          <p:nvPr/>
+        </p:nvSpPr>
+        <p:spPr>
+          <a:xfrm>
+            <a:off x="0" y="3000372"/>
+            <a:ext cx="3687997" cy="369332"/>
+          </a:xfrm>
+          <a:prstGeom prst="rect">
+            <a:avLst/>
+          </a:prstGeom>
+        </p:spPr>
+        <p:txBody>
+          <a:bodyPr wrap="none">
+            <a:spAutoFit/>
+          </a:bodyPr>
+          <a:lstStyle/>
+          <a:p>
+            <a:r>
+              <a:rPr lang="ru-RU" dirty="0" smtClean="0"/>
+              <a:t>Рис.</a:t>
+            </a:r>
+            <a:r>
+              <a:rPr lang="en-US" dirty="0" smtClean="0"/>
+              <a:t>3</a:t>
+            </a:r>
+            <a:r>
+              <a:rPr lang="ru-RU" dirty="0" smtClean="0"/>
+              <a:t> </a:t>
+            </a:r>
+            <a:r>
+              <a:rPr lang="ru-RU" dirty="0" smtClean="0"/>
+              <a:t>– </a:t>
+            </a:r>
+            <a:r>
+              <a:rPr lang="ru-RU" dirty="0" smtClean="0"/>
+              <a:t>Кабинет Администратора</a:t>
+            </a:r>
+            <a:endParaRPr lang="ru-RU" dirty="0"/>
+          </a:p>
+        </p:txBody>
+      </p:sp>
+      <p:sp>
+        <p:nvSpPr>
+          <p:cNvPr id="9" name="Прямоугольник 8"/>
+          <p:cNvSpPr/>
+          <p:nvPr/>
+        </p:nvSpPr>
+        <p:spPr>
+          <a:xfrm>
+            <a:off x="5681385" y="6357958"/>
+            <a:ext cx="3491533" cy="369332"/>
+          </a:xfrm>
+          <a:prstGeom prst="rect">
+            <a:avLst/>
+          </a:prstGeom>
+        </p:spPr>
+        <p:txBody>
+          <a:bodyPr wrap="none">
+            <a:spAutoFit/>
+          </a:bodyPr>
+          <a:lstStyle/>
+          <a:p>
+            <a:r>
+              <a:rPr lang="ru-RU" dirty="0" smtClean="0"/>
+              <a:t>   Рис.4 </a:t>
+            </a:r>
+            <a:r>
+              <a:rPr lang="ru-RU" dirty="0" smtClean="0"/>
+              <a:t>– </a:t>
+            </a:r>
+            <a:r>
+              <a:rPr lang="ru-RU" dirty="0" smtClean="0"/>
+              <a:t>Корзина пользователя</a:t>
+            </a:r>
+            <a:endParaRPr lang="ru-RU" dirty="0"/>
+          </a:p>
+        </p:txBody>
+      </p:sp>
+    </p:spTree>
+  </p:cSld>
+  <p:clrMapOvr>
+    <a:masterClrMapping/>
+  </p:clrMapOvr>
+</p:sld>
+</file>
+
+<file path=ppt/slides/slide9.xml><?xml version="1.0" encoding="utf-8"?>
+<p:sld xmlns:a="http://schemas.openxmlformats.org/drawingml/2006/main" xmlns:r="http://schemas.openxmlformats.org/officeDocument/2006/relationships" xmlns:p="http://schemas.openxmlformats.org/presentationml/2006/main">
+  <p:cSld>
+    <p:spTree>
+      <p:nvGrpSpPr>
+        <p:cNvPr id="1" name=""/>
+        <p:cNvGrpSpPr/>
+        <p:nvPr/>
+      </p:nvGrpSpPr>
+      <p:grpSpPr>
+        <a:xfrm>
+          <a:off x="0" y="0"/>
+          <a:ext cx="0" cy="0"/>
+          <a:chOff x="0" y="0"/>
+          <a:chExt cx="0" cy="0"/>
+        </a:xfrm>
+      </p:grpSpPr>
+      <p:sp>
+        <p:nvSpPr>
+          <p:cNvPr id="2" name="Заголовок 1"/>
+          <p:cNvSpPr>
+            <a:spLocks noGrp="1"/>
+          </p:cNvSpPr>
+          <p:nvPr>
+            <p:ph type="title"/>
+          </p:nvPr>
+        </p:nvSpPr>
+        <p:spPr/>
+        <p:txBody>
+          <a:bodyPr>
+            <a:normAutofit/>
+          </a:bodyPr>
+          <a:lstStyle/>
+          <a:p>
+            <a:r>
+              <a:rPr lang="ru-RU" sz="2500" dirty="0" smtClean="0">
+                <a:solidFill>
+                  <a:schemeClr val="tx2">
+                    <a:lumMod val="90000"/>
+                  </a:schemeClr>
+                </a:solidFill>
+              </a:rPr>
               <a:t>Заключение</a:t>
             </a:r>
-            <a:endParaRPr lang="ru-RU" sz="2500" dirty="0"/>
+            <a:endParaRPr lang="ru-RU" sz="2500" dirty="0">
+              <a:solidFill>
+                <a:schemeClr val="tx2">
+                  <a:lumMod val="90000"/>
+                </a:schemeClr>
+              </a:solidFill>
+            </a:endParaRPr>
           </a:p>
         </p:txBody>
       </p:sp>
@@ -4915,22 +5579,35 @@
         <p:txBody>
           <a:bodyPr/>
           <a:lstStyle/>
-          <a:p>
-            <a:r>
-              <a:rPr lang="ru-RU" dirty="0" smtClean="0"/>
-              <a:t>Был разработан интернет – магазин согласно требованиям к итоговому заданию.  </a:t>
-            </a:r>
-            <a:endParaRPr lang="en-US" dirty="0" smtClean="0"/>
-          </a:p>
-          <a:p>
-            <a:endParaRPr lang="en-US" dirty="0" smtClean="0"/>
-          </a:p>
           <a:p>
             <a:pPr>
               <a:buNone/>
             </a:pPr>
             <a:r>
-              <a:rPr lang="ru-RU" dirty="0" smtClean="0">
+              <a:rPr lang="ru-RU" sz="2000" dirty="0" smtClean="0"/>
+              <a:t>    Был </a:t>
+            </a:r>
+            <a:r>
+              <a:rPr lang="ru-RU" sz="2000" dirty="0" smtClean="0"/>
+              <a:t>разработан интернет – магазин согласно требованиям к итоговому заданию.  </a:t>
+            </a:r>
+            <a:endParaRPr lang="en-US" sz="2000" dirty="0" smtClean="0"/>
+          </a:p>
+          <a:p>
+            <a:endParaRPr lang="en-US" dirty="0" smtClean="0">
+              <a:solidFill>
+                <a:schemeClr val="tx2">
+                  <a:lumMod val="90000"/>
+                </a:schemeClr>
+              </a:solidFill>
+            </a:endParaRPr>
+          </a:p>
+          <a:p>
+            <a:pPr>
+              <a:buNone/>
+            </a:pPr>
+            <a:r>
+              <a:rPr lang="ru-RU" sz="2500" dirty="0" smtClean="0">
                 <a:solidFill>
                   <a:schemeClr val="tx2">
                     <a:lumMod val="90000"/>
@@ -4940,7 +5617,7 @@
               <a:t>Ссылка на </a:t>
             </a:r>
             <a:r>
-              <a:rPr lang="en-US" dirty="0" smtClean="0">
+              <a:rPr lang="en-US" sz="2500" dirty="0" smtClean="0">
                 <a:solidFill>
                   <a:schemeClr val="tx2">
                     <a:lumMod val="90000"/>
@@ -4950,7 +5627,7 @@
               <a:t>GIT</a:t>
             </a:r>
             <a:r>
-              <a:rPr lang="ru-RU" dirty="0" smtClean="0">
+              <a:rPr lang="ru-RU" sz="2500" dirty="0" smtClean="0">
                 <a:solidFill>
                   <a:schemeClr val="tx2">
                     <a:lumMod val="90000"/>
@@ -4959,7 +5636,7 @@
               </a:rPr>
               <a:t> </a:t>
             </a:r>
-            <a:endParaRPr lang="en-US" dirty="0" smtClean="0">
+            <a:endParaRPr lang="ru-RU" sz="2500" dirty="0" smtClean="0">
               <a:solidFill>
                 <a:schemeClr val="tx2">
                   <a:lumMod val="90000"/>
@@ -4972,10 +5649,23 @@
               <a:buNone/>
             </a:pPr>
             <a:r>
-              <a:rPr lang="en-US" dirty="0" smtClean="0"/>
+              <a:rPr lang="en-US" sz="2000" dirty="0" smtClean="0">
+                <a:solidFill>
+                  <a:schemeClr val="tx2">
+                    <a:lumMod val="90000"/>
+                  </a:schemeClr>
+                </a:solidFill>
+                <a:hlinkClick r:id="rId2"/>
+              </a:rPr>
               <a:t>https://github.com/OksanaUmanets/final-project1.git</a:t>
             </a:r>
-            <a:endParaRPr lang="ru-RU" dirty="0"/>
+            <a:endParaRPr lang="en-US" sz="2000" dirty="0" smtClean="0">
+              <a:solidFill>
+                <a:schemeClr val="tx2">
+                  <a:lumMod val="90000"/>
+                </a:schemeClr>
+              </a:solidFill>
+            </a:endParaRPr>
           </a:p>
         </p:txBody>
       </p:sp>
